--- a/Documents/recievable new input.pptx
+++ b/Documents/recievable new input.pptx
@@ -6,7 +6,12 @@
   </p:sldMasterIdLst>
   <p:sldIdLst>
     <p:sldId id="256" r:id="rId2"/>
-    <p:sldId id="257" r:id="rId3"/>
+    <p:sldId id="262" r:id="rId3"/>
+    <p:sldId id="257" r:id="rId4"/>
+    <p:sldId id="258" r:id="rId5"/>
+    <p:sldId id="259" r:id="rId6"/>
+    <p:sldId id="260" r:id="rId7"/>
+    <p:sldId id="261" r:id="rId8"/>
   </p:sldIdLst>
   <p:sldSz cx="12192000" cy="6858000"/>
   <p:notesSz cx="6858000" cy="9144000"/>
@@ -105,6 +110,11 @@
       </a:defRPr>
     </a:lvl9pPr>
   </p:defaultTextStyle>
+  <p:extLst>
+    <p:ext uri="{EFAFB233-063F-42B5-8137-9DF3F51BA10A}">
+      <p15:sldGuideLst xmlns:p15="http://schemas.microsoft.com/office/powerpoint/2012/main"/>
+    </p:ext>
+  </p:extLst>
 </p:presentation>
 </file>
 
@@ -3716,6 +3726,93 @@
           <p:cNvPr id="2" name="Title 1">
             <a:extLst>
               <a:ext uri="{FF2B5EF4-FFF2-40B4-BE49-F238E27FC236}">
+                <a16:creationId xmlns:a16="http://schemas.microsoft.com/office/drawing/2014/main" id="{09E55566-87D4-5227-C5CD-8403ABA1E046}"/>
+              </a:ext>
+            </a:extLst>
+          </p:cNvPr>
+          <p:cNvSpPr>
+            <a:spLocks noGrp="1"/>
+          </p:cNvSpPr>
+          <p:nvPr>
+            <p:ph type="title"/>
+          </p:nvPr>
+        </p:nvSpPr>
+        <p:spPr/>
+        <p:txBody>
+          <a:bodyPr/>
+          <a:lstStyle/>
+          <a:p>
+            <a:r>
+              <a:rPr lang="en-PH"/>
+              <a:t>Update Payment</a:t>
+            </a:r>
+          </a:p>
+        </p:txBody>
+      </p:sp>
+      <p:pic>
+        <p:nvPicPr>
+          <p:cNvPr id="5" name="Content Placeholder 4">
+            <a:extLst>
+              <a:ext uri="{FF2B5EF4-FFF2-40B4-BE49-F238E27FC236}">
+                <a16:creationId xmlns:a16="http://schemas.microsoft.com/office/drawing/2014/main" id="{7B076D8F-5A2B-1217-1AC6-D0CB02CC3A43}"/>
+              </a:ext>
+            </a:extLst>
+          </p:cNvPr>
+          <p:cNvPicPr>
+            <a:picLocks noGrp="1" noChangeAspect="1"/>
+          </p:cNvPicPr>
+          <p:nvPr>
+            <p:ph idx="1"/>
+          </p:nvPr>
+        </p:nvPicPr>
+        <p:blipFill>
+          <a:blip r:embed="rId2"/>
+          <a:stretch>
+            <a:fillRect/>
+          </a:stretch>
+        </p:blipFill>
+        <p:spPr>
+          <a:xfrm>
+            <a:off x="2053489" y="1825625"/>
+            <a:ext cx="8085021" cy="4351338"/>
+          </a:xfrm>
+        </p:spPr>
+      </p:pic>
+    </p:spTree>
+    <p:extLst>
+      <p:ext uri="{BB962C8B-B14F-4D97-AF65-F5344CB8AC3E}">
+        <p14:creationId xmlns:p14="http://schemas.microsoft.com/office/powerpoint/2010/main" val="1105429472"/>
+      </p:ext>
+    </p:extLst>
+  </p:cSld>
+  <p:clrMapOvr>
+    <a:masterClrMapping/>
+  </p:clrMapOvr>
+</p:sld>
+</file>
+
+<file path=ppt/slides/slide3.xml><?xml version="1.0" encoding="utf-8"?>
+<p:sld xmlns:a="http://schemas.openxmlformats.org/drawingml/2006/main" xmlns:r="http://schemas.openxmlformats.org/officeDocument/2006/relationships" xmlns:p="http://schemas.openxmlformats.org/presentationml/2006/main">
+  <p:cSld>
+    <p:spTree>
+      <p:nvGrpSpPr>
+        <p:cNvPr id="1" name=""/>
+        <p:cNvGrpSpPr/>
+        <p:nvPr/>
+      </p:nvGrpSpPr>
+      <p:grpSpPr>
+        <a:xfrm>
+          <a:off x="0" y="0"/>
+          <a:ext cx="0" cy="0"/>
+          <a:chOff x="0" y="0"/>
+          <a:chExt cx="0" cy="0"/>
+        </a:xfrm>
+      </p:grpSpPr>
+      <p:sp>
+        <p:nvSpPr>
+          <p:cNvPr id="2" name="Title 1">
+            <a:extLst>
+              <a:ext uri="{FF2B5EF4-FFF2-40B4-BE49-F238E27FC236}">
                 <a16:creationId xmlns:a16="http://schemas.microsoft.com/office/drawing/2014/main" id="{473CA2B6-C5FF-2E08-2240-5E1A15E30120}"/>
               </a:ext>
             </a:extLst>
@@ -3942,6 +4039,565 @@
     <p:extLst>
       <p:ext uri="{BB962C8B-B14F-4D97-AF65-F5344CB8AC3E}">
         <p14:creationId xmlns:p14="http://schemas.microsoft.com/office/powerpoint/2010/main" val="1497056750"/>
+      </p:ext>
+    </p:extLst>
+  </p:cSld>
+  <p:clrMapOvr>
+    <a:masterClrMapping/>
+  </p:clrMapOvr>
+</p:sld>
+</file>
+
+<file path=ppt/slides/slide4.xml><?xml version="1.0" encoding="utf-8"?>
+<p:sld xmlns:a="http://schemas.openxmlformats.org/drawingml/2006/main" xmlns:r="http://schemas.openxmlformats.org/officeDocument/2006/relationships" xmlns:p="http://schemas.openxmlformats.org/presentationml/2006/main">
+  <p:cSld>
+    <p:spTree>
+      <p:nvGrpSpPr>
+        <p:cNvPr id="1" name=""/>
+        <p:cNvGrpSpPr/>
+        <p:nvPr/>
+      </p:nvGrpSpPr>
+      <p:grpSpPr>
+        <a:xfrm>
+          <a:off x="0" y="0"/>
+          <a:ext cx="0" cy="0"/>
+          <a:chOff x="0" y="0"/>
+          <a:chExt cx="0" cy="0"/>
+        </a:xfrm>
+      </p:grpSpPr>
+      <p:sp>
+        <p:nvSpPr>
+          <p:cNvPr id="2" name="Title 1">
+            <a:extLst>
+              <a:ext uri="{FF2B5EF4-FFF2-40B4-BE49-F238E27FC236}">
+                <a16:creationId xmlns:a16="http://schemas.microsoft.com/office/drawing/2014/main" id="{CB7B1F8B-E6A3-FEFA-A9A8-B0222E82DCA0}"/>
+              </a:ext>
+            </a:extLst>
+          </p:cNvPr>
+          <p:cNvSpPr>
+            <a:spLocks noGrp="1"/>
+          </p:cNvSpPr>
+          <p:nvPr>
+            <p:ph type="title"/>
+          </p:nvPr>
+        </p:nvSpPr>
+        <p:spPr/>
+        <p:txBody>
+          <a:bodyPr/>
+          <a:lstStyle/>
+          <a:p>
+            <a:r>
+              <a:rPr lang="en-PH" dirty="0"/>
+              <a:t>Purchase order only available to Admin</a:t>
+            </a:r>
+          </a:p>
+        </p:txBody>
+      </p:sp>
+      <p:pic>
+        <p:nvPicPr>
+          <p:cNvPr id="5" name="Content Placeholder 4">
+            <a:extLst>
+              <a:ext uri="{FF2B5EF4-FFF2-40B4-BE49-F238E27FC236}">
+                <a16:creationId xmlns:a16="http://schemas.microsoft.com/office/drawing/2014/main" id="{D9D8824F-6FE1-2298-507D-E0D9CD236553}"/>
+              </a:ext>
+            </a:extLst>
+          </p:cNvPr>
+          <p:cNvPicPr>
+            <a:picLocks noGrp="1" noChangeAspect="1"/>
+          </p:cNvPicPr>
+          <p:nvPr>
+            <p:ph idx="1"/>
+          </p:nvPr>
+        </p:nvPicPr>
+        <p:blipFill>
+          <a:blip r:embed="rId2"/>
+          <a:stretch>
+            <a:fillRect/>
+          </a:stretch>
+        </p:blipFill>
+        <p:spPr>
+          <a:xfrm>
+            <a:off x="838200" y="2506314"/>
+            <a:ext cx="10515600" cy="2989959"/>
+          </a:xfrm>
+        </p:spPr>
+      </p:pic>
+    </p:spTree>
+    <p:extLst>
+      <p:ext uri="{BB962C8B-B14F-4D97-AF65-F5344CB8AC3E}">
+        <p14:creationId xmlns:p14="http://schemas.microsoft.com/office/powerpoint/2010/main" val="1703988349"/>
+      </p:ext>
+    </p:extLst>
+  </p:cSld>
+  <p:clrMapOvr>
+    <a:masterClrMapping/>
+  </p:clrMapOvr>
+</p:sld>
+</file>
+
+<file path=ppt/slides/slide5.xml><?xml version="1.0" encoding="utf-8"?>
+<p:sld xmlns:a="http://schemas.openxmlformats.org/drawingml/2006/main" xmlns:r="http://schemas.openxmlformats.org/officeDocument/2006/relationships" xmlns:p="http://schemas.openxmlformats.org/presentationml/2006/main">
+  <p:cSld>
+    <p:spTree>
+      <p:nvGrpSpPr>
+        <p:cNvPr id="1" name=""/>
+        <p:cNvGrpSpPr/>
+        <p:nvPr/>
+      </p:nvGrpSpPr>
+      <p:grpSpPr>
+        <a:xfrm>
+          <a:off x="0" y="0"/>
+          <a:ext cx="0" cy="0"/>
+          <a:chOff x="0" y="0"/>
+          <a:chExt cx="0" cy="0"/>
+        </a:xfrm>
+      </p:grpSpPr>
+      <p:sp>
+        <p:nvSpPr>
+          <p:cNvPr id="2" name="Title 1">
+            <a:extLst>
+              <a:ext uri="{FF2B5EF4-FFF2-40B4-BE49-F238E27FC236}">
+                <a16:creationId xmlns:a16="http://schemas.microsoft.com/office/drawing/2014/main" id="{CB7B1F8B-E6A3-FEFA-A9A8-B0222E82DCA0}"/>
+              </a:ext>
+            </a:extLst>
+          </p:cNvPr>
+          <p:cNvSpPr>
+            <a:spLocks noGrp="1"/>
+          </p:cNvSpPr>
+          <p:nvPr>
+            <p:ph type="title"/>
+          </p:nvPr>
+        </p:nvSpPr>
+        <p:spPr/>
+        <p:txBody>
+          <a:bodyPr/>
+          <a:lstStyle/>
+          <a:p>
+            <a:r>
+              <a:rPr lang="en-PH" dirty="0"/>
+              <a:t>Purchase order only available to Admin</a:t>
+            </a:r>
+          </a:p>
+        </p:txBody>
+      </p:sp>
+      <p:pic>
+        <p:nvPicPr>
+          <p:cNvPr id="5" name="Content Placeholder 4">
+            <a:extLst>
+              <a:ext uri="{FF2B5EF4-FFF2-40B4-BE49-F238E27FC236}">
+                <a16:creationId xmlns:a16="http://schemas.microsoft.com/office/drawing/2014/main" id="{D9D8824F-6FE1-2298-507D-E0D9CD236553}"/>
+              </a:ext>
+            </a:extLst>
+          </p:cNvPr>
+          <p:cNvPicPr>
+            <a:picLocks noGrp="1" noChangeAspect="1"/>
+          </p:cNvPicPr>
+          <p:nvPr>
+            <p:ph idx="1"/>
+          </p:nvPr>
+        </p:nvPicPr>
+        <p:blipFill>
+          <a:blip r:embed="rId2"/>
+          <a:stretch>
+            <a:fillRect/>
+          </a:stretch>
+        </p:blipFill>
+        <p:spPr>
+          <a:xfrm>
+            <a:off x="838200" y="2506314"/>
+            <a:ext cx="10515600" cy="2989959"/>
+          </a:xfrm>
+        </p:spPr>
+      </p:pic>
+      <p:sp>
+        <p:nvSpPr>
+          <p:cNvPr id="3" name="TextBox 2">
+            <a:extLst>
+              <a:ext uri="{FF2B5EF4-FFF2-40B4-BE49-F238E27FC236}">
+                <a16:creationId xmlns:a16="http://schemas.microsoft.com/office/drawing/2014/main" id="{39C55030-FC9F-1201-A8BA-799E7906163E}"/>
+              </a:ext>
+            </a:extLst>
+          </p:cNvPr>
+          <p:cNvSpPr txBox="1"/>
+          <p:nvPr/>
+        </p:nvSpPr>
+        <p:spPr>
+          <a:xfrm>
+            <a:off x="4767943" y="5942567"/>
+            <a:ext cx="3827417" cy="369332"/>
+          </a:xfrm>
+          <a:prstGeom prst="rect">
+            <a:avLst/>
+          </a:prstGeom>
+          <a:noFill/>
+        </p:spPr>
+        <p:txBody>
+          <a:bodyPr wrap="square" rtlCol="0">
+            <a:spAutoFit/>
+          </a:bodyPr>
+          <a:lstStyle/>
+          <a:p>
+            <a:r>
+              <a:rPr lang="en-PH" dirty="0"/>
+              <a:t>Interface above image is for User</a:t>
+            </a:r>
+          </a:p>
+        </p:txBody>
+      </p:sp>
+    </p:spTree>
+    <p:extLst>
+      <p:ext uri="{BB962C8B-B14F-4D97-AF65-F5344CB8AC3E}">
+        <p14:creationId xmlns:p14="http://schemas.microsoft.com/office/powerpoint/2010/main" val="2061989262"/>
+      </p:ext>
+    </p:extLst>
+  </p:cSld>
+  <p:clrMapOvr>
+    <a:masterClrMapping/>
+  </p:clrMapOvr>
+</p:sld>
+</file>
+
+<file path=ppt/slides/slide6.xml><?xml version="1.0" encoding="utf-8"?>
+<p:sld xmlns:a="http://schemas.openxmlformats.org/drawingml/2006/main" xmlns:r="http://schemas.openxmlformats.org/officeDocument/2006/relationships" xmlns:p="http://schemas.openxmlformats.org/presentationml/2006/main">
+  <p:cSld>
+    <p:spTree>
+      <p:nvGrpSpPr>
+        <p:cNvPr id="1" name=""/>
+        <p:cNvGrpSpPr/>
+        <p:nvPr/>
+      </p:nvGrpSpPr>
+      <p:grpSpPr>
+        <a:xfrm>
+          <a:off x="0" y="0"/>
+          <a:ext cx="0" cy="0"/>
+          <a:chOff x="0" y="0"/>
+          <a:chExt cx="0" cy="0"/>
+        </a:xfrm>
+      </p:grpSpPr>
+      <p:sp>
+        <p:nvSpPr>
+          <p:cNvPr id="2" name="Title 1">
+            <a:extLst>
+              <a:ext uri="{FF2B5EF4-FFF2-40B4-BE49-F238E27FC236}">
+                <a16:creationId xmlns:a16="http://schemas.microsoft.com/office/drawing/2014/main" id="{CB7B1F8B-E6A3-FEFA-A9A8-B0222E82DCA0}"/>
+              </a:ext>
+            </a:extLst>
+          </p:cNvPr>
+          <p:cNvSpPr>
+            <a:spLocks noGrp="1"/>
+          </p:cNvSpPr>
+          <p:nvPr>
+            <p:ph type="title"/>
+          </p:nvPr>
+        </p:nvSpPr>
+        <p:spPr/>
+        <p:txBody>
+          <a:bodyPr/>
+          <a:lstStyle/>
+          <a:p>
+            <a:r>
+              <a:rPr lang="en-PH" dirty="0"/>
+              <a:t>Purchase order only available to Admin</a:t>
+            </a:r>
+          </a:p>
+        </p:txBody>
+      </p:sp>
+      <p:sp>
+        <p:nvSpPr>
+          <p:cNvPr id="3" name="TextBox 2">
+            <a:extLst>
+              <a:ext uri="{FF2B5EF4-FFF2-40B4-BE49-F238E27FC236}">
+                <a16:creationId xmlns:a16="http://schemas.microsoft.com/office/drawing/2014/main" id="{39C55030-FC9F-1201-A8BA-799E7906163E}"/>
+              </a:ext>
+            </a:extLst>
+          </p:cNvPr>
+          <p:cNvSpPr txBox="1"/>
+          <p:nvPr/>
+        </p:nvSpPr>
+        <p:spPr>
+          <a:xfrm>
+            <a:off x="4715691" y="6127234"/>
+            <a:ext cx="3827417" cy="369332"/>
+          </a:xfrm>
+          <a:prstGeom prst="rect">
+            <a:avLst/>
+          </a:prstGeom>
+          <a:noFill/>
+        </p:spPr>
+        <p:txBody>
+          <a:bodyPr wrap="square" rtlCol="0">
+            <a:spAutoFit/>
+          </a:bodyPr>
+          <a:lstStyle/>
+          <a:p>
+            <a:r>
+              <a:rPr lang="en-PH" dirty="0"/>
+              <a:t>Interface above image is for Admin</a:t>
+            </a:r>
+          </a:p>
+        </p:txBody>
+      </p:sp>
+      <p:sp>
+        <p:nvSpPr>
+          <p:cNvPr id="6" name="Content Placeholder 5">
+            <a:extLst>
+              <a:ext uri="{FF2B5EF4-FFF2-40B4-BE49-F238E27FC236}">
+                <a16:creationId xmlns:a16="http://schemas.microsoft.com/office/drawing/2014/main" id="{0057C2E5-65D1-9F0B-98DA-66DDD1513704}"/>
+              </a:ext>
+            </a:extLst>
+          </p:cNvPr>
+          <p:cNvSpPr>
+            <a:spLocks noGrp="1"/>
+          </p:cNvSpPr>
+          <p:nvPr>
+            <p:ph idx="1"/>
+          </p:nvPr>
+        </p:nvSpPr>
+        <p:spPr/>
+        <p:txBody>
+          <a:bodyPr/>
+          <a:lstStyle/>
+          <a:p>
+            <a:endParaRPr lang="en-PH" dirty="0"/>
+          </a:p>
+        </p:txBody>
+      </p:sp>
+      <p:pic>
+        <p:nvPicPr>
+          <p:cNvPr id="8" name="Picture 7">
+            <a:extLst>
+              <a:ext uri="{FF2B5EF4-FFF2-40B4-BE49-F238E27FC236}">
+                <a16:creationId xmlns:a16="http://schemas.microsoft.com/office/drawing/2014/main" id="{38601AB4-5ACB-A927-693A-BF76969A0519}"/>
+              </a:ext>
+            </a:extLst>
+          </p:cNvPr>
+          <p:cNvPicPr>
+            <a:picLocks noChangeAspect="1"/>
+          </p:cNvPicPr>
+          <p:nvPr/>
+        </p:nvPicPr>
+        <p:blipFill>
+          <a:blip r:embed="rId2"/>
+          <a:stretch>
+            <a:fillRect/>
+          </a:stretch>
+        </p:blipFill>
+        <p:spPr>
+          <a:xfrm>
+            <a:off x="910045" y="1467541"/>
+            <a:ext cx="10515600" cy="3922918"/>
+          </a:xfrm>
+          <a:prstGeom prst="rect">
+            <a:avLst/>
+          </a:prstGeom>
+        </p:spPr>
+      </p:pic>
+      <p:sp>
+        <p:nvSpPr>
+          <p:cNvPr id="9" name="Rectangle 8">
+            <a:extLst>
+              <a:ext uri="{FF2B5EF4-FFF2-40B4-BE49-F238E27FC236}">
+                <a16:creationId xmlns:a16="http://schemas.microsoft.com/office/drawing/2014/main" id="{C10C0EC2-3028-D82B-1F27-4217CA3A74B0}"/>
+              </a:ext>
+            </a:extLst>
+          </p:cNvPr>
+          <p:cNvSpPr/>
+          <p:nvPr/>
+        </p:nvSpPr>
+        <p:spPr>
+          <a:xfrm>
+            <a:off x="910045" y="3148149"/>
+            <a:ext cx="1702526" cy="548640"/>
+          </a:xfrm>
+          <a:prstGeom prst="rect">
+            <a:avLst/>
+          </a:prstGeom>
+          <a:noFill/>
+          <a:ln w="38100">
+            <a:solidFill>
+              <a:srgbClr val="FF0000"/>
+            </a:solidFill>
+          </a:ln>
+        </p:spPr>
+        <p:style>
+          <a:lnRef idx="2">
+            <a:schemeClr val="accent1">
+              <a:shade val="50000"/>
+            </a:schemeClr>
+          </a:lnRef>
+          <a:fillRef idx="1">
+            <a:schemeClr val="accent1"/>
+          </a:fillRef>
+          <a:effectRef idx="0">
+            <a:schemeClr val="accent1"/>
+          </a:effectRef>
+          <a:fontRef idx="minor">
+            <a:schemeClr val="lt1"/>
+          </a:fontRef>
+        </p:style>
+        <p:txBody>
+          <a:bodyPr rtlCol="0" anchor="ctr"/>
+          <a:lstStyle/>
+          <a:p>
+            <a:pPr algn="ctr"/>
+            <a:endParaRPr lang="en-PH"/>
+          </a:p>
+        </p:txBody>
+      </p:sp>
+    </p:spTree>
+    <p:extLst>
+      <p:ext uri="{BB962C8B-B14F-4D97-AF65-F5344CB8AC3E}">
+        <p14:creationId xmlns:p14="http://schemas.microsoft.com/office/powerpoint/2010/main" val="3703909067"/>
+      </p:ext>
+    </p:extLst>
+  </p:cSld>
+  <p:clrMapOvr>
+    <a:masterClrMapping/>
+  </p:clrMapOvr>
+</p:sld>
+</file>
+
+<file path=ppt/slides/slide7.xml><?xml version="1.0" encoding="utf-8"?>
+<p:sld xmlns:a="http://schemas.openxmlformats.org/drawingml/2006/main" xmlns:r="http://schemas.openxmlformats.org/officeDocument/2006/relationships" xmlns:p="http://schemas.openxmlformats.org/presentationml/2006/main">
+  <p:cSld>
+    <p:spTree>
+      <p:nvGrpSpPr>
+        <p:cNvPr id="1" name=""/>
+        <p:cNvGrpSpPr/>
+        <p:nvPr/>
+      </p:nvGrpSpPr>
+      <p:grpSpPr>
+        <a:xfrm>
+          <a:off x="0" y="0"/>
+          <a:ext cx="0" cy="0"/>
+          <a:chOff x="0" y="0"/>
+          <a:chExt cx="0" cy="0"/>
+        </a:xfrm>
+      </p:grpSpPr>
+      <p:sp>
+        <p:nvSpPr>
+          <p:cNvPr id="2" name="Title 1">
+            <a:extLst>
+              <a:ext uri="{FF2B5EF4-FFF2-40B4-BE49-F238E27FC236}">
+                <a16:creationId xmlns:a16="http://schemas.microsoft.com/office/drawing/2014/main" id="{CB7B1F8B-E6A3-FEFA-A9A8-B0222E82DCA0}"/>
+              </a:ext>
+            </a:extLst>
+          </p:cNvPr>
+          <p:cNvSpPr>
+            <a:spLocks noGrp="1"/>
+          </p:cNvSpPr>
+          <p:nvPr>
+            <p:ph type="title"/>
+          </p:nvPr>
+        </p:nvSpPr>
+        <p:spPr/>
+        <p:txBody>
+          <a:bodyPr>
+            <a:normAutofit/>
+          </a:bodyPr>
+          <a:lstStyle/>
+          <a:p>
+            <a:r>
+              <a:rPr lang="en-PH" sz="3200" dirty="0"/>
+              <a:t>Sales order data will be hidden to user after 1 Day.</a:t>
+            </a:r>
+          </a:p>
+        </p:txBody>
+      </p:sp>
+      <p:sp>
+        <p:nvSpPr>
+          <p:cNvPr id="3" name="TextBox 2">
+            <a:extLst>
+              <a:ext uri="{FF2B5EF4-FFF2-40B4-BE49-F238E27FC236}">
+                <a16:creationId xmlns:a16="http://schemas.microsoft.com/office/drawing/2014/main" id="{39C55030-FC9F-1201-A8BA-799E7906163E}"/>
+              </a:ext>
+            </a:extLst>
+          </p:cNvPr>
+          <p:cNvSpPr txBox="1"/>
+          <p:nvPr/>
+        </p:nvSpPr>
+        <p:spPr>
+          <a:xfrm>
+            <a:off x="4362994" y="5292546"/>
+            <a:ext cx="3827417" cy="1200329"/>
+          </a:xfrm>
+          <a:prstGeom prst="rect">
+            <a:avLst/>
+          </a:prstGeom>
+          <a:noFill/>
+        </p:spPr>
+        <p:txBody>
+          <a:bodyPr wrap="square" rtlCol="0">
+            <a:spAutoFit/>
+          </a:bodyPr>
+          <a:lstStyle/>
+          <a:p>
+            <a:r>
+              <a:rPr lang="en-PH" dirty="0"/>
+              <a:t>Interface above image is for User Account show only 1 row of the current date. Data will show based on encoded Date</a:t>
+            </a:r>
+          </a:p>
+        </p:txBody>
+      </p:sp>
+      <p:sp>
+        <p:nvSpPr>
+          <p:cNvPr id="6" name="Content Placeholder 5">
+            <a:extLst>
+              <a:ext uri="{FF2B5EF4-FFF2-40B4-BE49-F238E27FC236}">
+                <a16:creationId xmlns:a16="http://schemas.microsoft.com/office/drawing/2014/main" id="{0057C2E5-65D1-9F0B-98DA-66DDD1513704}"/>
+              </a:ext>
+            </a:extLst>
+          </p:cNvPr>
+          <p:cNvSpPr>
+            <a:spLocks noGrp="1"/>
+          </p:cNvSpPr>
+          <p:nvPr>
+            <p:ph idx="1"/>
+          </p:nvPr>
+        </p:nvSpPr>
+        <p:spPr/>
+        <p:txBody>
+          <a:bodyPr/>
+          <a:lstStyle/>
+          <a:p>
+            <a:endParaRPr lang="en-PH" dirty="0"/>
+          </a:p>
+        </p:txBody>
+      </p:sp>
+      <p:pic>
+        <p:nvPicPr>
+          <p:cNvPr id="5" name="Picture 4">
+            <a:extLst>
+              <a:ext uri="{FF2B5EF4-FFF2-40B4-BE49-F238E27FC236}">
+                <a16:creationId xmlns:a16="http://schemas.microsoft.com/office/drawing/2014/main" id="{30B3E63E-C0A6-BF8F-634F-CB1FB7605DDE}"/>
+              </a:ext>
+            </a:extLst>
+          </p:cNvPr>
+          <p:cNvPicPr>
+            <a:picLocks noChangeAspect="1"/>
+          </p:cNvPicPr>
+          <p:nvPr/>
+        </p:nvPicPr>
+        <p:blipFill>
+          <a:blip r:embed="rId2"/>
+          <a:stretch>
+            <a:fillRect/>
+          </a:stretch>
+        </p:blipFill>
+        <p:spPr>
+          <a:xfrm>
+            <a:off x="1001485" y="1690688"/>
+            <a:ext cx="10189029" cy="3263497"/>
+          </a:xfrm>
+          <a:prstGeom prst="rect">
+            <a:avLst/>
+          </a:prstGeom>
+        </p:spPr>
+      </p:pic>
+    </p:spTree>
+    <p:extLst>
+      <p:ext uri="{BB962C8B-B14F-4D97-AF65-F5344CB8AC3E}">
+        <p14:creationId xmlns:p14="http://schemas.microsoft.com/office/powerpoint/2010/main" val="1265919950"/>
       </p:ext>
     </p:extLst>
   </p:cSld>
